--- a/WebContent/WEB-INF/templates/CSJ/thoughtForTheWeek.pptx
+++ b/WebContent/WEB-INF/templates/CSJ/thoughtForTheWeek.pptx
@@ -109,7 +109,7 @@
   </p:defaultTextStyle>
   <p:extLst>
     <p:ext uri="{EFAFB233-063F-42B5-8137-9DF3F51BA10A}">
-      <p15:sldGuideLst xmlns:p15="http://schemas.microsoft.com/office/powerpoint/2012/main">
+      <p15:sldGuideLst xmlns:p15="http://schemas.microsoft.com/office/powerpoint/2012/main" xmlns="">
         <p15:guide id="1" orient="horz" pos="2160" userDrawn="1">
           <p15:clr>
             <a:srgbClr val="A4A3A4"/>
@@ -208,7 +208,7 @@
           <a:p>
             <a:fld id="{8225012C-C5EE-4F45-83CC-F4C23FCB344F}" type="datetimeFigureOut">
               <a:rPr lang="en-US" smtClean="0"/>
-              <a:t>1/6/19</a:t>
+              <a:t>12/01/20</a:t>
             </a:fld>
             <a:endParaRPr lang="en-US"/>
           </a:p>
@@ -654,7 +654,7 @@
           <a:p>
             <a:fld id="{1F4D9EBA-553B-7140-AA39-7ED6D0B99CF7}" type="datetimeFigureOut">
               <a:rPr lang="en-US" smtClean="0"/>
-              <a:t>1/6/19</a:t>
+              <a:t>12/01/20</a:t>
             </a:fld>
             <a:endParaRPr lang="en-US"/>
           </a:p>
@@ -822,7 +822,7 @@
           <a:p>
             <a:fld id="{1F4D9EBA-553B-7140-AA39-7ED6D0B99CF7}" type="datetimeFigureOut">
               <a:rPr lang="en-US" smtClean="0"/>
-              <a:t>1/6/19</a:t>
+              <a:t>12/01/20</a:t>
             </a:fld>
             <a:endParaRPr lang="en-US"/>
           </a:p>
@@ -1000,7 +1000,7 @@
           <a:p>
             <a:fld id="{1F4D9EBA-553B-7140-AA39-7ED6D0B99CF7}" type="datetimeFigureOut">
               <a:rPr lang="en-US" smtClean="0"/>
-              <a:t>1/6/19</a:t>
+              <a:t>12/01/20</a:t>
             </a:fld>
             <a:endParaRPr lang="en-US"/>
           </a:p>
@@ -1168,7 +1168,7 @@
           <a:p>
             <a:fld id="{1F4D9EBA-553B-7140-AA39-7ED6D0B99CF7}" type="datetimeFigureOut">
               <a:rPr lang="en-US" smtClean="0"/>
-              <a:t>1/6/19</a:t>
+              <a:t>12/01/20</a:t>
             </a:fld>
             <a:endParaRPr lang="en-US"/>
           </a:p>
@@ -1413,7 +1413,7 @@
           <a:p>
             <a:fld id="{1F4D9EBA-553B-7140-AA39-7ED6D0B99CF7}" type="datetimeFigureOut">
               <a:rPr lang="en-US" smtClean="0"/>
-              <a:t>1/6/19</a:t>
+              <a:t>12/01/20</a:t>
             </a:fld>
             <a:endParaRPr lang="en-US"/>
           </a:p>
@@ -1698,7 +1698,7 @@
           <a:p>
             <a:fld id="{1F4D9EBA-553B-7140-AA39-7ED6D0B99CF7}" type="datetimeFigureOut">
               <a:rPr lang="en-US" smtClean="0"/>
-              <a:t>1/6/19</a:t>
+              <a:t>12/01/20</a:t>
             </a:fld>
             <a:endParaRPr lang="en-US"/>
           </a:p>
@@ -2117,7 +2117,7 @@
           <a:p>
             <a:fld id="{1F4D9EBA-553B-7140-AA39-7ED6D0B99CF7}" type="datetimeFigureOut">
               <a:rPr lang="en-US" smtClean="0"/>
-              <a:t>1/6/19</a:t>
+              <a:t>12/01/20</a:t>
             </a:fld>
             <a:endParaRPr lang="en-US"/>
           </a:p>
@@ -2234,7 +2234,7 @@
           <a:p>
             <a:fld id="{1F4D9EBA-553B-7140-AA39-7ED6D0B99CF7}" type="datetimeFigureOut">
               <a:rPr lang="en-US" smtClean="0"/>
-              <a:t>1/6/19</a:t>
+              <a:t>12/01/20</a:t>
             </a:fld>
             <a:endParaRPr lang="en-US"/>
           </a:p>
@@ -2329,7 +2329,7 @@
           <a:p>
             <a:fld id="{1F4D9EBA-553B-7140-AA39-7ED6D0B99CF7}" type="datetimeFigureOut">
               <a:rPr lang="en-US" smtClean="0"/>
-              <a:t>1/6/19</a:t>
+              <a:t>12/01/20</a:t>
             </a:fld>
             <a:endParaRPr lang="en-US"/>
           </a:p>
@@ -2604,7 +2604,7 @@
           <a:p>
             <a:fld id="{1F4D9EBA-553B-7140-AA39-7ED6D0B99CF7}" type="datetimeFigureOut">
               <a:rPr lang="en-US" smtClean="0"/>
-              <a:t>1/6/19</a:t>
+              <a:t>12/01/20</a:t>
             </a:fld>
             <a:endParaRPr lang="en-US"/>
           </a:p>
@@ -2856,7 +2856,7 @@
           <a:p>
             <a:fld id="{1F4D9EBA-553B-7140-AA39-7ED6D0B99CF7}" type="datetimeFigureOut">
               <a:rPr lang="en-US" smtClean="0"/>
-              <a:t>1/6/19</a:t>
+              <a:t>12/01/20</a:t>
             </a:fld>
             <a:endParaRPr lang="en-US"/>
           </a:p>
@@ -3067,7 +3067,7 @@
           <a:p>
             <a:fld id="{1F4D9EBA-553B-7140-AA39-7ED6D0B99CF7}" type="datetimeFigureOut">
               <a:rPr lang="en-US" smtClean="0"/>
-              <a:t>1/6/19</a:t>
+              <a:t>12/01/20</a:t>
             </a:fld>
             <a:endParaRPr lang="en-US"/>
           </a:p>
@@ -3621,6 +3621,30 @@
           </a:p>
         </p:txBody>
       </p:sp>
+      <p:pic>
+        <p:nvPicPr>
+          <p:cNvPr id="7" name="Picture 6"/>
+          <p:cNvPicPr>
+            <a:picLocks noChangeAspect="1"/>
+          </p:cNvPicPr>
+          <p:nvPr/>
+        </p:nvPicPr>
+        <p:blipFill>
+          <a:blip r:embed="rId3"/>
+          <a:stretch>
+            <a:fillRect/>
+          </a:stretch>
+        </p:blipFill>
+        <p:spPr>
+          <a:xfrm>
+            <a:off x="-26639" y="0"/>
+            <a:ext cx="1726017" cy="1656976"/>
+          </a:xfrm>
+          <a:prstGeom prst="rect">
+            <a:avLst/>
+          </a:prstGeom>
+        </p:spPr>
+      </p:pic>
     </p:spTree>
     <p:extLst>
       <p:ext uri="{BB962C8B-B14F-4D97-AF65-F5344CB8AC3E}">
